--- a/מה עושים.pptx
+++ b/מה עושים.pptx
@@ -105,6 +105,11 @@
       </a:defRPr>
     </a:lvl9pPr>
   </p:defaultTextStyle>
+  <p:extLst>
+    <p:ext uri="{EFAFB233-063F-42B5-8137-9DF3F51BA10A}">
+      <p15:sldGuideLst xmlns:p15="http://schemas.microsoft.com/office/powerpoint/2012/main"/>
+    </p:ext>
+  </p:extLst>
 </p:presentation>
 </file>
 
@@ -5964,7 +5969,7 @@
         <p:spPr>
           <a:xfrm>
             <a:off x="598516" y="1305098"/>
-            <a:ext cx="3009207" cy="1200329"/>
+            <a:ext cx="3009207" cy="1477328"/>
           </a:xfrm>
           <a:prstGeom prst="rect">
             <a:avLst/>
@@ -5978,7 +5983,11 @@
           <a:lstStyle/>
           <a:p>
             <a:r>
-              <a:rPr lang="he-IL" dirty="0"/>
+              <a:rPr lang="he-IL" dirty="0">
+                <a:highlight>
+                  <a:srgbClr val="FFFF00"/>
+                </a:highlight>
+              </a:rPr>
               <a:t>* שליפת כל החנויות.</a:t>
             </a:r>
           </a:p>
@@ -5988,17 +5997,25 @@
               <a:buChar char="•"/>
             </a:pPr>
             <a:r>
-              <a:rPr lang="he-IL" dirty="0"/>
+              <a:rPr lang="he-IL" dirty="0">
+                <a:highlight>
+                  <a:srgbClr val="FFFF00"/>
+                </a:highlight>
+              </a:rPr>
               <a:t>שליפת חנויות לפי קטגוריה.</a:t>
             </a:r>
           </a:p>
           <a:p>
-            <a:pPr marL="285750" indent="-285750">
+            <a:pPr marL="1200150" lvl="2" indent="-285750">
               <a:buFont typeface="Arial" panose="020B0604020202020204" pitchFamily="34" charset="0"/>
               <a:buChar char="•"/>
             </a:pPr>
             <a:r>
-              <a:rPr lang="he-IL" dirty="0"/>
+              <a:rPr lang="he-IL" dirty="0">
+                <a:highlight>
+                  <a:srgbClr val="FFFF00"/>
+                </a:highlight>
+              </a:rPr>
               <a:t>שליפת קטגוריות לפי חנות.</a:t>
             </a:r>
           </a:p>
